--- a/Medical AI_final.pptx
+++ b/Medical AI_final.pptx
@@ -132,7 +132,7 @@
 <file path=ppt/charts/chart1.xml><?xml version="1.0" encoding="utf-8"?>
 <c:chartSpace xmlns:c="http://schemas.openxmlformats.org/drawingml/2006/chart" xmlns:a="http://schemas.openxmlformats.org/drawingml/2006/main" xmlns:r="http://schemas.openxmlformats.org/officeDocument/2006/relationships" xmlns:c16r2="http://schemas.microsoft.com/office/drawing/2015/06/chart">
   <c:date1904 val="0"/>
-  <c:lang val="en-US"/>
+  <c:lang val="ko-KR"/>
   <c:roundedCorners val="0"/>
   <mc:AlternateContent xmlns:mc="http://schemas.openxmlformats.org/markup-compatibility/2006">
     <mc:Choice xmlns:c14="http://schemas.microsoft.com/office/drawing/2007/8/2/chart" Requires="c14">
@@ -205,7 +205,7 @@
                     <a:cs typeface="+mn-cs"/>
                   </a:defRPr>
                 </a:pPr>
-                <a:endParaRPr lang="en-US"/>
+                <a:endParaRPr lang="ko-KR"/>
               </a:p>
             </c:txPr>
             <c:dLblPos val="inEnd"/>
@@ -218,7 +218,6 @@
             <c:showLeaderLines val="0"/>
             <c:extLst>
               <c:ext xmlns:c15="http://schemas.microsoft.com/office/drawing/2012/chart" uri="{CE6537A1-D6FC-4f65-9D91-7224C49458BB}">
-                <c15:layout/>
                 <c15:showLeaderLines val="1"/>
                 <c15:leaderLines>
                   <c:spPr>
@@ -344,7 +343,7 @@
                     <a:cs typeface="+mn-cs"/>
                   </a:defRPr>
                 </a:pPr>
-                <a:endParaRPr lang="en-US"/>
+                <a:endParaRPr lang="ko-KR"/>
               </a:p>
             </c:txPr>
             <c:dLblPos val="inEnd"/>
@@ -357,7 +356,6 @@
             <c:showLeaderLines val="0"/>
             <c:extLst>
               <c:ext xmlns:c15="http://schemas.microsoft.com/office/drawing/2012/chart" uri="{CE6537A1-D6FC-4f65-9D91-7224C49458BB}">
-                <c15:layout/>
                 <c15:showLeaderLines val="1"/>
                 <c15:leaderLines>
                   <c:spPr>
@@ -507,7 +505,7 @@
                   <a:cs typeface="+mn-cs"/>
                 </a:defRPr>
               </a:pPr>
-              <a:endParaRPr lang="en-US"/>
+              <a:endParaRPr lang="ko-KR"/>
             </a:p>
           </c:txPr>
         </c:title>
@@ -545,7 +543,7 @@
                 <a:cs typeface="+mn-cs"/>
               </a:defRPr>
             </a:pPr>
-            <a:endParaRPr lang="en-US"/>
+            <a:endParaRPr lang="ko-KR"/>
           </a:p>
         </c:txPr>
         <c:crossAx val="1691389120"/>
@@ -614,7 +612,6 @@
               </a:p>
             </c:rich>
           </c:tx>
-          <c:layout/>
           <c:overlay val="0"/>
           <c:spPr>
             <a:noFill/>
@@ -640,7 +637,7 @@
                   <a:cs typeface="+mn-cs"/>
                 </a:defRPr>
               </a:pPr>
-              <a:endParaRPr lang="en-US"/>
+              <a:endParaRPr lang="ko-KR"/>
             </a:p>
           </c:txPr>
         </c:title>
@@ -662,7 +659,6 @@
     </c:plotArea>
     <c:legend>
       <c:legendPos val="b"/>
-      <c:layout/>
       <c:overlay val="0"/>
       <c:spPr>
         <a:solidFill>
@@ -693,7 +689,7 @@
               <a:cs typeface="+mn-cs"/>
             </a:defRPr>
           </a:pPr>
-          <a:endParaRPr lang="en-US"/>
+          <a:endParaRPr lang="ko-KR"/>
         </a:p>
       </c:txPr>
     </c:legend>
@@ -739,7 +735,7 @@
       <a:pPr>
         <a:defRPr/>
       </a:pPr>
-      <a:endParaRPr lang="en-US"/>
+      <a:endParaRPr lang="ko-KR"/>
     </a:p>
   </c:txPr>
   <c:externalData r:id="rId3">
@@ -751,7 +747,7 @@
 <file path=ppt/charts/chart2.xml><?xml version="1.0" encoding="utf-8"?>
 <c:chartSpace xmlns:c="http://schemas.openxmlformats.org/drawingml/2006/chart" xmlns:a="http://schemas.openxmlformats.org/drawingml/2006/main" xmlns:r="http://schemas.openxmlformats.org/officeDocument/2006/relationships" xmlns:c16r2="http://schemas.microsoft.com/office/drawing/2015/06/chart">
   <c:date1904 val="0"/>
-  <c:lang val="en-US"/>
+  <c:lang val="ko-KR"/>
   <c:roundedCorners val="0"/>
   <mc:AlternateContent xmlns:mc="http://schemas.openxmlformats.org/markup-compatibility/2006">
     <mc:Choice xmlns:c14="http://schemas.microsoft.com/office/drawing/2007/8/2/chart" Requires="c14">
@@ -824,7 +820,7 @@
                     <a:cs typeface="+mn-cs"/>
                   </a:defRPr>
                 </a:pPr>
-                <a:endParaRPr lang="en-US"/>
+                <a:endParaRPr lang="ko-KR"/>
               </a:p>
             </c:txPr>
             <c:dLblPos val="inEnd"/>
@@ -837,7 +833,6 @@
             <c:showLeaderLines val="0"/>
             <c:extLst>
               <c:ext xmlns:c15="http://schemas.microsoft.com/office/drawing/2012/chart" uri="{CE6537A1-D6FC-4f65-9D91-7224C49458BB}">
-                <c15:layout/>
                 <c15:showLeaderLines val="1"/>
                 <c15:leaderLines>
                   <c:spPr>
@@ -957,7 +952,7 @@
                     <a:cs typeface="+mn-cs"/>
                   </a:defRPr>
                 </a:pPr>
-                <a:endParaRPr lang="en-US"/>
+                <a:endParaRPr lang="ko-KR"/>
               </a:p>
             </c:txPr>
             <c:dLblPos val="inEnd"/>
@@ -970,7 +965,6 @@
             <c:showLeaderLines val="0"/>
             <c:extLst>
               <c:ext xmlns:c15="http://schemas.microsoft.com/office/drawing/2012/chart" uri="{CE6537A1-D6FC-4f65-9D91-7224C49458BB}">
-                <c15:layout/>
                 <c15:showLeaderLines val="1"/>
                 <c15:leaderLines>
                   <c:spPr>
@@ -1056,7 +1050,6 @@
         <c:delete val="0"/>
         <c:axPos val="b"/>
         <c:title>
-          <c:layout/>
           <c:overlay val="0"/>
           <c:spPr>
             <a:noFill/>
@@ -1082,7 +1075,7 @@
                   <a:cs typeface="+mn-cs"/>
                 </a:defRPr>
               </a:pPr>
-              <a:endParaRPr lang="en-US"/>
+              <a:endParaRPr lang="ko-KR"/>
             </a:p>
           </c:txPr>
         </c:title>
@@ -1120,7 +1113,7 @@
                 <a:cs typeface="+mn-cs"/>
               </a:defRPr>
             </a:pPr>
-            <a:endParaRPr lang="en-US"/>
+            <a:endParaRPr lang="ko-KR"/>
           </a:p>
         </c:txPr>
         <c:crossAx val="1715055840"/>
@@ -1164,7 +1157,6 @@
           </c:spPr>
         </c:majorGridlines>
         <c:title>
-          <c:layout/>
           <c:overlay val="0"/>
           <c:spPr>
             <a:noFill/>
@@ -1190,7 +1182,7 @@
                   <a:cs typeface="+mn-cs"/>
                 </a:defRPr>
               </a:pPr>
-              <a:endParaRPr lang="en-US"/>
+              <a:endParaRPr lang="ko-KR"/>
             </a:p>
           </c:txPr>
         </c:title>
@@ -1212,7 +1204,6 @@
     </c:plotArea>
     <c:legend>
       <c:legendPos val="b"/>
-      <c:layout/>
       <c:overlay val="0"/>
       <c:spPr>
         <a:solidFill>
@@ -1243,7 +1234,7 @@
               <a:cs typeface="+mn-cs"/>
             </a:defRPr>
           </a:pPr>
-          <a:endParaRPr lang="en-US"/>
+          <a:endParaRPr lang="ko-KR"/>
         </a:p>
       </c:txPr>
     </c:legend>
@@ -1289,7 +1280,7 @@
       <a:pPr>
         <a:defRPr/>
       </a:pPr>
-      <a:endParaRPr lang="en-US"/>
+      <a:endParaRPr lang="ko-KR"/>
     </a:p>
   </c:txPr>
   <c:externalData r:id="rId3">
@@ -2609,7 +2600,7 @@
               <a:pPr lvl="0">
                 <a:defRPr/>
               </a:pPr>
-              <a:t>2/22/2024</a:t>
+              <a:t>2/23/2024</a:t>
             </a:fld>
             <a:endParaRPr lang="en-US"/>
           </a:p>
@@ -3299,7 +3290,7 @@
           <a:p>
             <a:fld id="{CF05C72C-F9D8-45B1-8A21-A6EC788CFEC3}" type="datetime1">
               <a:rPr lang="en-US" smtClean="0"/>
-              <a:t>2/22/2024</a:t>
+              <a:t>2/23/2024</a:t>
             </a:fld>
             <a:endParaRPr lang="en-US"/>
           </a:p>
@@ -3483,7 +3474,7 @@
           <a:p>
             <a:fld id="{F9288273-D1AB-488D-901C-3BD4FCF3ADBD}" type="datetime1">
               <a:rPr lang="en-US" smtClean="0"/>
-              <a:t>2/22/2024</a:t>
+              <a:t>2/23/2024</a:t>
             </a:fld>
             <a:endParaRPr lang="en-US"/>
           </a:p>
@@ -3667,7 +3658,7 @@
           <a:p>
             <a:fld id="{EBA59C53-4F43-43B0-B4DB-70D4EE9128B9}" type="datetime1">
               <a:rPr lang="en-US" smtClean="0"/>
-              <a:t>2/22/2024</a:t>
+              <a:t>2/23/2024</a:t>
             </a:fld>
             <a:endParaRPr lang="en-US"/>
           </a:p>
@@ -3837,7 +3828,7 @@
           <a:p>
             <a:fld id="{E1FCC5F8-35DE-462C-A0C2-F8C1D3865DE8}" type="datetime1">
               <a:rPr lang="en-US" smtClean="0"/>
-              <a:t>2/22/2024</a:t>
+              <a:t>2/23/2024</a:t>
             </a:fld>
             <a:endParaRPr lang="en-US"/>
           </a:p>
@@ -4162,7 +4153,7 @@
           <a:p>
             <a:fld id="{27E4959C-4ED1-4256-81DA-84DB2A379621}" type="datetime1">
               <a:rPr lang="en-US" smtClean="0"/>
-              <a:t>2/22/2024</a:t>
+              <a:t>2/23/2024</a:t>
             </a:fld>
             <a:endParaRPr lang="en-US"/>
           </a:p>
@@ -4560,7 +4551,7 @@
           <a:p>
             <a:fld id="{C13725ED-0BFD-4ED5-8E3E-480A4C10C85A}" type="datetime1">
               <a:rPr lang="en-US" smtClean="0"/>
-              <a:t>2/22/2024</a:t>
+              <a:t>2/23/2024</a:t>
             </a:fld>
             <a:endParaRPr lang="en-US"/>
           </a:p>
@@ -4994,7 +4985,7 @@
           <a:p>
             <a:fld id="{00791B80-8891-4416-9D95-B3881E5964BC}" type="datetime1">
               <a:rPr lang="en-US" smtClean="0"/>
-              <a:t>2/22/2024</a:t>
+              <a:t>2/23/2024</a:t>
             </a:fld>
             <a:endParaRPr lang="en-US"/>
           </a:p>
@@ -5122,7 +5113,7 @@
           <a:p>
             <a:fld id="{C083C4B9-1B5F-41AE-B949-181276CDDABA}" type="datetime1">
               <a:rPr lang="en-US" smtClean="0"/>
-              <a:t>2/22/2024</a:t>
+              <a:t>2/23/2024</a:t>
             </a:fld>
             <a:endParaRPr lang="en-US"/>
           </a:p>
@@ -5227,7 +5218,7 @@
           <a:p>
             <a:fld id="{77D35E57-A9EC-47BA-A257-916FAF66D1AA}" type="datetime1">
               <a:rPr lang="en-US" smtClean="0"/>
-              <a:t>2/22/2024</a:t>
+              <a:t>2/23/2024</a:t>
             </a:fld>
             <a:endParaRPr lang="en-US"/>
           </a:p>
@@ -5668,7 +5659,7 @@
           <a:p>
             <a:fld id="{BB2B5C40-825F-4CAD-94B2-C8E7335114A1}" type="datetime1">
               <a:rPr lang="en-US" smtClean="0"/>
-              <a:t>2/22/2024</a:t>
+              <a:t>2/23/2024</a:t>
             </a:fld>
             <a:endParaRPr lang="en-US"/>
           </a:p>
@@ -6095,7 +6086,7 @@
           <a:p>
             <a:fld id="{54442C5E-35DB-4FED-99AC-30DEA2E8618C}" type="datetime1">
               <a:rPr lang="en-US" smtClean="0"/>
-              <a:t>2/22/2024</a:t>
+              <a:t>2/23/2024</a:t>
             </a:fld>
             <a:endParaRPr lang="en-US"/>
           </a:p>
@@ -6380,7 +6371,7 @@
           <a:p>
             <a:fld id="{879A327D-84FD-4396-9DB3-52E730C28537}" type="datetime1">
               <a:rPr lang="en-US" smtClean="0"/>
-              <a:t>2/22/2024</a:t>
+              <a:t>2/23/2024</a:t>
             </a:fld>
             <a:endParaRPr lang="en-US"/>
           </a:p>
@@ -7465,17 +7456,10 @@
     <mc:Choice Requires="p14">
       <p:transition/>
     </mc:Choice>
-    <mc:Fallback xmlns:dsp="http://schemas.microsoft.com/office/drawing/2008/diagram" xmlns:dgm="http://schemas.openxmlformats.org/drawingml/2006/diagram" xmlns:c="http://schemas.openxmlformats.org/drawingml/2006/chart" xmlns="">
+    <mc:Fallback xmlns="" xmlns:c="http://schemas.openxmlformats.org/drawingml/2006/chart" xmlns:dgm="http://schemas.openxmlformats.org/drawingml/2006/diagram" xmlns:dsp="http://schemas.microsoft.com/office/drawing/2008/diagram">
       <p:transition/>
     </mc:Fallback>
   </mc:AlternateContent>
-  <p:timing>
-    <p:tnLst>
-      <p:par>
-        <p:cTn id="1" dur="indefinite" restart="never" nodeType="tmRoot"/>
-      </p:par>
-    </p:tnLst>
-  </p:timing>
 </p:sld>
 </file>
 
@@ -7655,17 +7639,10 @@
     <mc:Choice Requires="p14">
       <p:transition/>
     </mc:Choice>
-    <mc:Fallback xmlns:dsp="http://schemas.microsoft.com/office/drawing/2008/diagram" xmlns:dgm="http://schemas.openxmlformats.org/drawingml/2006/diagram" xmlns:c="http://schemas.openxmlformats.org/drawingml/2006/chart" xmlns="">
+    <mc:Fallback xmlns="" xmlns:c="http://schemas.openxmlformats.org/drawingml/2006/chart" xmlns:dgm="http://schemas.openxmlformats.org/drawingml/2006/diagram" xmlns:dsp="http://schemas.microsoft.com/office/drawing/2008/diagram">
       <p:transition/>
     </mc:Fallback>
   </mc:AlternateContent>
-  <p:timing>
-    <p:tnLst>
-      <p:par>
-        <p:cTn id="1" dur="indefinite" restart="never" nodeType="tmRoot"/>
-      </p:par>
-    </p:tnLst>
-  </p:timing>
 </p:sld>
 </file>
 
@@ -7869,17 +7846,10 @@
     <mc:Choice Requires="p14">
       <p:transition/>
     </mc:Choice>
-    <mc:Fallback xmlns:dsp="http://schemas.microsoft.com/office/drawing/2008/diagram" xmlns:dgm="http://schemas.openxmlformats.org/drawingml/2006/diagram" xmlns:c="http://schemas.openxmlformats.org/drawingml/2006/chart" xmlns="">
+    <mc:Fallback xmlns="" xmlns:c="http://schemas.openxmlformats.org/drawingml/2006/chart" xmlns:dgm="http://schemas.openxmlformats.org/drawingml/2006/diagram" xmlns:dsp="http://schemas.microsoft.com/office/drawing/2008/diagram">
       <p:transition/>
     </mc:Fallback>
   </mc:AlternateContent>
-  <p:timing>
-    <p:tnLst>
-      <p:par>
-        <p:cTn id="1" dur="indefinite" restart="never" nodeType="tmRoot"/>
-      </p:par>
-    </p:tnLst>
-  </p:timing>
 </p:sld>
 </file>
 
@@ -7996,7 +7966,7 @@
               <a:defRPr/>
             </a:pPr>
             <a:r>
-              <a:rPr lang="en-US" sz="1800"/>
+              <a:rPr lang="en-US" sz="1800" dirty="0"/>
               <a:t>It assumes a linear relationship.</a:t>
             </a:r>
           </a:p>
@@ -8005,7 +7975,7 @@
               <a:defRPr/>
             </a:pPr>
             <a:r>
-              <a:rPr lang="en-US" sz="1800"/>
+              <a:rPr lang="en-US" sz="1800" dirty="0"/>
               <a:t>It aims to minimize the difference between observed and predicted values.</a:t>
             </a:r>
           </a:p>
@@ -8014,7 +7984,7 @@
               <a:defRPr/>
             </a:pPr>
             <a:r>
-              <a:rPr lang="en-US" sz="1800"/>
+              <a:rPr lang="en-US" sz="1800" dirty="0"/>
               <a:t>Parameters like slope and intercept are estimated.</a:t>
             </a:r>
           </a:p>
@@ -8023,7 +7993,7 @@
               <a:defRPr/>
             </a:pPr>
             <a:r>
-              <a:rPr lang="en-US" sz="1800"/>
+              <a:rPr lang="en-US" sz="1800" dirty="0"/>
               <a:t>Widely used in predictive modeling and understanding correlations.</a:t>
             </a:r>
           </a:p>
@@ -8075,7 +8045,7 @@
     <mc:Choice Requires="p14">
       <p:transition/>
     </mc:Choice>
-    <mc:Fallback xmlns:dsp="http://schemas.microsoft.com/office/drawing/2008/diagram" xmlns:dgm="http://schemas.openxmlformats.org/drawingml/2006/diagram" xmlns:c="http://schemas.openxmlformats.org/drawingml/2006/chart" xmlns="">
+    <mc:Fallback xmlns="" xmlns:c="http://schemas.openxmlformats.org/drawingml/2006/chart" xmlns:dgm="http://schemas.openxmlformats.org/drawingml/2006/diagram" xmlns:dsp="http://schemas.microsoft.com/office/drawing/2008/diagram">
       <p:transition/>
     </mc:Fallback>
   </mc:AlternateContent>
@@ -8223,10 +8193,9 @@
                     <a:p>
                       <a:pPr algn="ctr"/>
                       <a:r>
-                        <a:rPr lang="en-US" sz="1800" dirty="0" smtClean="0"/>
+                        <a:rPr lang="en-US" sz="1800" dirty="0"/>
                         <a:t>Model</a:t>
                       </a:r>
-                      <a:endParaRPr lang="en-US" sz="1800" dirty="0"/>
                     </a:p>
                   </a:txBody>
                   <a:tcPr/>
@@ -8238,24 +8207,23 @@
                     <a:p>
                       <a:pPr algn="ctr"/>
                       <a:r>
-                        <a:rPr lang="en-US" sz="1800" dirty="0" smtClean="0"/>
+                        <a:rPr lang="en-US" sz="1800" dirty="0"/>
                         <a:t>Over-</a:t>
                       </a:r>
                     </a:p>
                     <a:p>
                       <a:pPr algn="ctr"/>
                       <a:r>
-                        <a:rPr lang="en-US" sz="1800" dirty="0" smtClean="0"/>
+                        <a:rPr lang="en-US" sz="1800" dirty="0"/>
                         <a:t>Sampling</a:t>
                       </a:r>
                     </a:p>
                     <a:p>
                       <a:pPr algn="ctr"/>
                       <a:r>
-                        <a:rPr lang="en-US" sz="1800" dirty="0" smtClean="0"/>
+                        <a:rPr lang="en-US" sz="1800" dirty="0"/>
                         <a:t>Method</a:t>
                       </a:r>
-                      <a:endParaRPr lang="en-US" sz="1800" dirty="0"/>
                     </a:p>
                   </a:txBody>
                   <a:tcPr/>
@@ -8267,10 +8235,9 @@
                     <a:p>
                       <a:pPr algn="ctr"/>
                       <a:r>
-                        <a:rPr lang="en-US" sz="1800" dirty="0" smtClean="0"/>
+                        <a:rPr lang="en-US" sz="1800" dirty="0"/>
                         <a:t>Error</a:t>
                       </a:r>
-                      <a:endParaRPr lang="en-US" sz="1800" dirty="0"/>
                     </a:p>
                   </a:txBody>
                   <a:tcPr/>
@@ -8309,10 +8276,9 @@
                     <a:p>
                       <a:pPr algn="ctr"/>
                       <a:r>
-                        <a:rPr lang="en-US" sz="1600" dirty="0" smtClean="0"/>
+                        <a:rPr lang="en-US" sz="1600" dirty="0"/>
                         <a:t>Mean Absolute Error (MAE)</a:t>
                       </a:r>
-                      <a:endParaRPr lang="en-US" sz="1600" dirty="0"/>
                     </a:p>
                   </a:txBody>
                   <a:tcPr/>
@@ -8331,10 +8297,9 @@
                     <a:p>
                       <a:pPr algn="ctr"/>
                       <a:r>
-                        <a:rPr lang="en-US" sz="1400" dirty="0" smtClean="0"/>
+                        <a:rPr lang="en-US" sz="1400" dirty="0"/>
                         <a:t>KNN</a:t>
                       </a:r>
-                      <a:endParaRPr lang="en-US" sz="1400" dirty="0"/>
                     </a:p>
                   </a:txBody>
                   <a:tcPr/>
@@ -8346,10 +8311,9 @@
                     <a:p>
                       <a:pPr algn="ctr"/>
                       <a:r>
-                        <a:rPr lang="en-US" sz="1400" dirty="0" smtClean="0"/>
+                        <a:rPr lang="en-US" sz="1400" dirty="0"/>
                         <a:t>SMOTE</a:t>
                       </a:r>
-                      <a:endParaRPr lang="en-US" sz="1400" dirty="0"/>
                     </a:p>
                   </a:txBody>
                   <a:tcPr/>
@@ -8361,10 +8325,9 @@
                     <a:p>
                       <a:pPr algn="ctr"/>
                       <a:r>
-                        <a:rPr lang="en-US" dirty="0" smtClean="0"/>
+                        <a:rPr lang="en-US" dirty="0"/>
                         <a:t>0.12</a:t>
                       </a:r>
-                      <a:endParaRPr lang="en-US" dirty="0"/>
                     </a:p>
                   </a:txBody>
                   <a:tcPr/>
@@ -8393,10 +8356,9 @@
                     <a:p>
                       <a:pPr algn="ctr"/>
                       <a:r>
-                        <a:rPr lang="en-US" sz="1400" dirty="0" smtClean="0"/>
+                        <a:rPr lang="en-US" sz="1400" dirty="0"/>
                         <a:t>ADASYN</a:t>
                       </a:r>
-                      <a:endParaRPr lang="en-US" sz="1400" dirty="0"/>
                     </a:p>
                   </a:txBody>
                   <a:tcPr/>
@@ -8408,10 +8370,9 @@
                     <a:p>
                       <a:pPr algn="ctr"/>
                       <a:r>
-                        <a:rPr lang="en-US" sz="1400" dirty="0" smtClean="0"/>
+                        <a:rPr lang="en-US" sz="1400" dirty="0"/>
                         <a:t>0.11</a:t>
                       </a:r>
-                      <a:endParaRPr lang="en-US" sz="1400" dirty="0"/>
                     </a:p>
                   </a:txBody>
                   <a:tcPr/>
@@ -8430,17 +8391,16 @@
                     <a:p>
                       <a:pPr algn="ctr"/>
                       <a:r>
-                        <a:rPr lang="en-US" sz="1400" dirty="0" smtClean="0"/>
+                        <a:rPr lang="en-US" sz="1400" dirty="0"/>
                         <a:t>DECISION</a:t>
                       </a:r>
                     </a:p>
                     <a:p>
                       <a:pPr algn="ctr"/>
                       <a:r>
-                        <a:rPr lang="en-US" sz="1400" dirty="0" smtClean="0"/>
+                        <a:rPr lang="en-US" sz="1400" dirty="0"/>
                         <a:t>TREE</a:t>
                       </a:r>
-                      <a:endParaRPr lang="en-US" sz="1400" dirty="0"/>
                     </a:p>
                   </a:txBody>
                   <a:tcPr/>
@@ -8452,10 +8412,9 @@
                     <a:p>
                       <a:pPr algn="ctr"/>
                       <a:r>
-                        <a:rPr lang="en-US" sz="1400" dirty="0" smtClean="0"/>
+                        <a:rPr lang="en-US" sz="1400" dirty="0"/>
                         <a:t>SMOTE</a:t>
                       </a:r>
-                      <a:endParaRPr lang="en-US" sz="1400" dirty="0"/>
                     </a:p>
                   </a:txBody>
                   <a:tcPr/>
@@ -8467,10 +8426,9 @@
                     <a:p>
                       <a:pPr algn="ctr"/>
                       <a:r>
-                        <a:rPr lang="en-US" sz="1400" dirty="0" smtClean="0"/>
+                        <a:rPr lang="en-US" sz="1400" dirty="0"/>
                         <a:t>0.06</a:t>
                       </a:r>
-                      <a:endParaRPr lang="en-US" sz="1400" dirty="0"/>
                     </a:p>
                   </a:txBody>
                   <a:tcPr/>
@@ -8499,10 +8457,9 @@
                     <a:p>
                       <a:pPr algn="ctr"/>
                       <a:r>
-                        <a:rPr lang="en-US" sz="1400" dirty="0" smtClean="0"/>
+                        <a:rPr lang="en-US" sz="1400" dirty="0"/>
                         <a:t>ADASYN</a:t>
                       </a:r>
-                      <a:endParaRPr lang="en-US" sz="1400" dirty="0"/>
                     </a:p>
                   </a:txBody>
                   <a:tcPr/>
@@ -8514,10 +8471,9 @@
                     <a:p>
                       <a:pPr algn="ctr"/>
                       <a:r>
-                        <a:rPr lang="en-US" sz="1400" dirty="0" smtClean="0"/>
+                        <a:rPr lang="en-US" sz="1400" dirty="0"/>
                         <a:t>0.06</a:t>
                       </a:r>
-                      <a:endParaRPr lang="en-US" sz="1400" dirty="0"/>
                     </a:p>
                   </a:txBody>
                   <a:tcPr/>
@@ -8536,17 +8492,16 @@
                     <a:p>
                       <a:pPr algn="ctr"/>
                       <a:r>
-                        <a:rPr lang="en-US" sz="1400" dirty="0" smtClean="0"/>
+                        <a:rPr lang="en-US" sz="1400" dirty="0"/>
                         <a:t>RANDOM </a:t>
                       </a:r>
                     </a:p>
                     <a:p>
                       <a:pPr algn="ctr"/>
                       <a:r>
-                        <a:rPr lang="en-US" sz="1400" dirty="0" smtClean="0"/>
+                        <a:rPr lang="en-US" sz="1400" dirty="0"/>
                         <a:t>FOREST</a:t>
                       </a:r>
-                      <a:endParaRPr lang="en-US" sz="1400" dirty="0"/>
                     </a:p>
                   </a:txBody>
                   <a:tcPr/>
@@ -8558,10 +8513,9 @@
                     <a:p>
                       <a:pPr algn="ctr"/>
                       <a:r>
-                        <a:rPr lang="en-US" sz="1400" dirty="0" smtClean="0"/>
+                        <a:rPr lang="en-US" sz="1400" dirty="0"/>
                         <a:t>SMOTE</a:t>
                       </a:r>
-                      <a:endParaRPr lang="en-US" sz="1400" dirty="0"/>
                     </a:p>
                   </a:txBody>
                   <a:tcPr/>
@@ -8573,10 +8527,9 @@
                     <a:p>
                       <a:pPr algn="ctr"/>
                       <a:r>
-                        <a:rPr lang="en-US" sz="1400" dirty="0" smtClean="0"/>
+                        <a:rPr lang="en-US" sz="1400" dirty="0"/>
                         <a:t>0.05</a:t>
                       </a:r>
-                      <a:endParaRPr lang="en-US" sz="1400" dirty="0"/>
                     </a:p>
                   </a:txBody>
                   <a:tcPr/>
@@ -8605,10 +8558,9 @@
                     <a:p>
                       <a:pPr algn="ctr"/>
                       <a:r>
-                        <a:rPr lang="en-US" sz="1400" dirty="0" smtClean="0"/>
+                        <a:rPr lang="en-US" sz="1400" dirty="0"/>
                         <a:t>ADASYN</a:t>
                       </a:r>
-                      <a:endParaRPr lang="en-US" sz="1400" dirty="0"/>
                     </a:p>
                   </a:txBody>
                   <a:tcPr/>
@@ -8620,10 +8572,9 @@
                     <a:p>
                       <a:pPr algn="ctr"/>
                       <a:r>
-                        <a:rPr lang="en-US" sz="1400" dirty="0" smtClean="0"/>
+                        <a:rPr lang="en-US" sz="1400" dirty="0"/>
                         <a:t>0.08</a:t>
                       </a:r>
-                      <a:endParaRPr lang="en-US" sz="1400" dirty="0"/>
                     </a:p>
                   </a:txBody>
                   <a:tcPr/>
@@ -8642,17 +8593,16 @@
                     <a:p>
                       <a:pPr algn="ctr"/>
                       <a:r>
-                        <a:rPr lang="en-US" sz="1400" dirty="0" smtClean="0"/>
+                        <a:rPr lang="en-US" sz="1400" dirty="0"/>
                         <a:t>Gradient</a:t>
                       </a:r>
                     </a:p>
                     <a:p>
                       <a:pPr algn="ctr"/>
                       <a:r>
-                        <a:rPr lang="en-US" sz="1400" dirty="0" smtClean="0"/>
+                        <a:rPr lang="en-US" sz="1400" dirty="0"/>
                         <a:t>BOOSTING</a:t>
                       </a:r>
-                      <a:endParaRPr lang="en-US" sz="1400" dirty="0"/>
                     </a:p>
                   </a:txBody>
                   <a:tcPr/>
@@ -8664,10 +8614,9 @@
                     <a:p>
                       <a:pPr algn="ctr"/>
                       <a:r>
-                        <a:rPr lang="en-US" sz="1400" dirty="0" smtClean="0"/>
+                        <a:rPr lang="en-US" sz="1400" dirty="0"/>
                         <a:t>SMOTE</a:t>
                       </a:r>
-                      <a:endParaRPr lang="en-US" sz="1400" dirty="0"/>
                     </a:p>
                   </a:txBody>
                   <a:tcPr/>
@@ -8679,10 +8628,9 @@
                     <a:p>
                       <a:pPr algn="ctr"/>
                       <a:r>
-                        <a:rPr lang="en-US" sz="1400" dirty="0" smtClean="0"/>
+                        <a:rPr lang="en-US" sz="1400" dirty="0"/>
                         <a:t>0.04</a:t>
                       </a:r>
-                      <a:endParaRPr lang="en-US" sz="1400" dirty="0"/>
                     </a:p>
                   </a:txBody>
                   <a:tcPr/>
@@ -8711,10 +8659,9 @@
                     <a:p>
                       <a:pPr algn="ctr"/>
                       <a:r>
-                        <a:rPr lang="en-US" sz="1400" dirty="0" smtClean="0"/>
+                        <a:rPr lang="en-US" sz="1400" dirty="0"/>
                         <a:t>ADASYN</a:t>
                       </a:r>
-                      <a:endParaRPr lang="en-US" sz="1400" dirty="0"/>
                     </a:p>
                   </a:txBody>
                   <a:tcPr/>
@@ -8726,10 +8673,9 @@
                     <a:p>
                       <a:pPr algn="ctr"/>
                       <a:r>
-                        <a:rPr lang="en-US" sz="1400" dirty="0" smtClean="0"/>
+                        <a:rPr lang="en-US" sz="1400" dirty="0"/>
                         <a:t>0.06</a:t>
                       </a:r>
-                      <a:endParaRPr lang="en-US" sz="1400" dirty="0"/>
                     </a:p>
                   </a:txBody>
                   <a:tcPr/>
@@ -8791,10 +8737,9 @@
           <a:p>
             <a:pPr algn="ctr"/>
             <a:r>
-              <a:rPr lang="en-US" dirty="0" smtClean="0"/>
+              <a:rPr lang="en-US" dirty="0"/>
               <a:t>REGRESSION RESULTS COMPARISON</a:t>
             </a:r>
-            <a:endParaRPr lang="en-US" dirty="0"/>
           </a:p>
         </p:txBody>
       </p:sp>
@@ -9208,7 +9153,7 @@
     <mc:Choice Requires="p14">
       <p:transition/>
     </mc:Choice>
-    <mc:Fallback xmlns:dsp="http://schemas.microsoft.com/office/drawing/2008/diagram" xmlns:dgm="http://schemas.openxmlformats.org/drawingml/2006/diagram" xmlns:c="http://schemas.openxmlformats.org/drawingml/2006/chart" xmlns="">
+    <mc:Fallback xmlns="" xmlns:c="http://schemas.openxmlformats.org/drawingml/2006/chart" xmlns:dgm="http://schemas.openxmlformats.org/drawingml/2006/diagram" xmlns:dsp="http://schemas.microsoft.com/office/drawing/2008/diagram">
       <p:transition/>
     </mc:Fallback>
   </mc:AlternateContent>
@@ -9996,7 +9941,7 @@
     <mc:Choice Requires="p14">
       <p:transition/>
     </mc:Choice>
-    <mc:Fallback xmlns:dsp="http://schemas.microsoft.com/office/drawing/2008/diagram" xmlns:dgm="http://schemas.openxmlformats.org/drawingml/2006/diagram" xmlns:c="http://schemas.openxmlformats.org/drawingml/2006/chart" xmlns="">
+    <mc:Fallback xmlns="" xmlns:c="http://schemas.openxmlformats.org/drawingml/2006/chart" xmlns:dgm="http://schemas.openxmlformats.org/drawingml/2006/diagram" xmlns:dsp="http://schemas.microsoft.com/office/drawing/2008/diagram">
       <p:transition/>
     </mc:Fallback>
   </mc:AlternateContent>
@@ -10371,7 +10316,7 @@
     <mc:Choice Requires="p14">
       <p:transition/>
     </mc:Choice>
-    <mc:Fallback xmlns:dsp="http://schemas.microsoft.com/office/drawing/2008/diagram" xmlns:dgm="http://schemas.openxmlformats.org/drawingml/2006/diagram" xmlns:c="http://schemas.openxmlformats.org/drawingml/2006/chart" xmlns="">
+    <mc:Fallback xmlns="" xmlns:c="http://schemas.openxmlformats.org/drawingml/2006/chart" xmlns:dgm="http://schemas.openxmlformats.org/drawingml/2006/diagram" xmlns:dsp="http://schemas.microsoft.com/office/drawing/2008/diagram">
       <p:transition/>
     </mc:Fallback>
   </mc:AlternateContent>
@@ -10722,7 +10667,7 @@
     <mc:Choice Requires="p14">
       <p:transition/>
     </mc:Choice>
-    <mc:Fallback xmlns:dsp="http://schemas.microsoft.com/office/drawing/2008/diagram" xmlns:dgm="http://schemas.openxmlformats.org/drawingml/2006/diagram" xmlns:c="http://schemas.openxmlformats.org/drawingml/2006/chart" xmlns="">
+    <mc:Fallback xmlns="" xmlns:c="http://schemas.openxmlformats.org/drawingml/2006/chart" xmlns:dgm="http://schemas.openxmlformats.org/drawingml/2006/diagram" xmlns:dsp="http://schemas.microsoft.com/office/drawing/2008/diagram">
       <p:transition/>
     </mc:Fallback>
   </mc:AlternateContent>
@@ -10958,15 +10903,7 @@
             </a:pPr>
             <a:r>
               <a:rPr lang="en-US" altLang="ko-KR" sz="2400" b="1" dirty="0"/>
-              <a:t>         </a:t>
-            </a:r>
-            <a:r>
-              <a:rPr lang="en-US" altLang="ko-KR" sz="2400" b="1" dirty="0" err="1"/>
-              <a:t>lable</a:t>
-            </a:r>
-            <a:r>
-              <a:rPr lang="en-US" altLang="ko-KR" sz="2400" b="1" dirty="0"/>
-              <a:t>: (251, 1)</a:t>
+              <a:t>         label: (251, 1)</a:t>
             </a:r>
           </a:p>
           <a:p>
@@ -10983,21 +10920,8 @@
             </a:pPr>
             <a:r>
               <a:rPr lang="en-US" altLang="ko-KR" dirty="0"/>
-              <a:t>2 </a:t>
-            </a:r>
-            <a:r>
-              <a:rPr lang="en-US" altLang="ko-KR" dirty="0" err="1"/>
-              <a:t>classfication</a:t>
-            </a:r>
-            <a:r>
-              <a:rPr lang="en-US" altLang="ko-KR" dirty="0"/>
-              <a:t>: (0: normal), (1: </a:t>
-            </a:r>
-            <a:r>
-              <a:rPr lang="en-US" altLang="ko-KR" dirty="0" smtClean="0"/>
-              <a:t>Worst)</a:t>
-            </a:r>
-            <a:endParaRPr lang="en-US" altLang="ko-KR" dirty="0"/>
+              <a:t>2 classification: (0: normal), (1: Worst)</a:t>
+            </a:r>
           </a:p>
           <a:p>
             <a:pPr marL="257040" indent="-257040">
@@ -11015,13 +10939,8 @@
             </a:pPr>
             <a:r>
               <a:rPr lang="en-US" altLang="ko-KR" dirty="0"/>
-              <a:t>5 classification: (0: normal), (1: Cin1), (2: Cin2), (3: Cin3), (4: </a:t>
-            </a:r>
-            <a:r>
-              <a:rPr lang="en-US" altLang="ko-KR" dirty="0" smtClean="0"/>
-              <a:t>Worst)</a:t>
-            </a:r>
-            <a:endParaRPr lang="en-US" altLang="ko-KR" dirty="0"/>
+              <a:t>5 classification: (0: normal), (1: Cin1), (2: Cin2), (3: Cin3), (4: Worst)</a:t>
+            </a:r>
           </a:p>
         </p:txBody>
       </p:sp>
@@ -11069,7 +10988,7 @@
         <p:spPr>
           <a:xfrm>
             <a:off x="5429248" y="1932660"/>
-            <a:ext cx="3326896" cy="1096114"/>
+            <a:ext cx="3326896" cy="1107996"/>
           </a:xfrm>
           <a:prstGeom prst="rect">
             <a:avLst/>
@@ -11085,15 +11004,15 @@
               <a:defRPr/>
             </a:pPr>
             <a:r>
-              <a:rPr lang="en-US" altLang="ko-KR" sz="2400" b="1"/>
-              <a:t> Final data: (480, 50)</a:t>
+              <a:rPr lang="en-US" altLang="ko-KR" sz="2400" b="1" dirty="0"/>
+              <a:t> Final data: (720, 50)</a:t>
             </a:r>
           </a:p>
           <a:p>
             <a:pPr>
               <a:defRPr/>
             </a:pPr>
-            <a:endParaRPr lang="en-US" altLang="ko-KR" sz="2400" b="1"/>
+            <a:endParaRPr lang="en-US" altLang="ko-KR" sz="2400" b="1" dirty="0"/>
           </a:p>
           <a:p>
             <a:pPr marL="257040" indent="-257040">
@@ -11102,8 +11021,8 @@
               <a:defRPr/>
             </a:pPr>
             <a:r>
-              <a:rPr lang="en-US" altLang="ko-KR"/>
-              <a:t>each label has 96 data</a:t>
+              <a:rPr lang="en-US" altLang="ko-KR" dirty="0"/>
+              <a:t>each label has 144 data</a:t>
             </a:r>
           </a:p>
         </p:txBody>
@@ -11117,17 +11036,10 @@
     <mc:Choice Requires="p14">
       <p:transition/>
     </mc:Choice>
-    <mc:Fallback xmlns:dsp="http://schemas.microsoft.com/office/drawing/2008/diagram" xmlns:dgm="http://schemas.openxmlformats.org/drawingml/2006/diagram" xmlns:c="http://schemas.openxmlformats.org/drawingml/2006/chart" xmlns="">
+    <mc:Fallback xmlns="" xmlns:c="http://schemas.openxmlformats.org/drawingml/2006/chart" xmlns:dgm="http://schemas.openxmlformats.org/drawingml/2006/diagram" xmlns:dsp="http://schemas.microsoft.com/office/drawing/2008/diagram">
       <p:transition/>
     </mc:Fallback>
   </mc:AlternateContent>
-  <p:timing>
-    <p:tnLst>
-      <p:par>
-        <p:cTn id="1" dur="indefinite" restart="never" nodeType="tmRoot"/>
-      </p:par>
-    </p:tnLst>
-  </p:timing>
 </p:sld>
 </file>
 
@@ -11267,10 +11179,9 @@
                     <a:p>
                       <a:pPr algn="ctr"/>
                       <a:r>
-                        <a:rPr lang="en-US" sz="1800" dirty="0" smtClean="0"/>
+                        <a:rPr lang="en-US" sz="1800" dirty="0"/>
                         <a:t>Model</a:t>
                       </a:r>
-                      <a:endParaRPr lang="en-US" sz="1800" dirty="0"/>
                     </a:p>
                   </a:txBody>
                   <a:tcPr/>
@@ -11282,24 +11193,23 @@
                     <a:p>
                       <a:pPr algn="ctr"/>
                       <a:r>
-                        <a:rPr lang="en-US" sz="1800" dirty="0" smtClean="0"/>
+                        <a:rPr lang="en-US" sz="1800" dirty="0"/>
                         <a:t>Over-</a:t>
                       </a:r>
                     </a:p>
                     <a:p>
                       <a:pPr algn="ctr"/>
                       <a:r>
-                        <a:rPr lang="en-US" sz="1800" dirty="0" smtClean="0"/>
+                        <a:rPr lang="en-US" sz="1800" dirty="0"/>
                         <a:t>Sampling</a:t>
                       </a:r>
                     </a:p>
                     <a:p>
                       <a:pPr algn="ctr"/>
                       <a:r>
-                        <a:rPr lang="en-US" sz="1800" dirty="0" smtClean="0"/>
+                        <a:rPr lang="en-US" sz="1800" dirty="0"/>
                         <a:t>Method</a:t>
                       </a:r>
-                      <a:endParaRPr lang="en-US" sz="1800" dirty="0"/>
                     </a:p>
                   </a:txBody>
                   <a:tcPr/>
@@ -11311,10 +11221,9 @@
                     <a:p>
                       <a:pPr algn="ctr"/>
                       <a:r>
-                        <a:rPr lang="en-US" sz="1800" dirty="0" smtClean="0"/>
+                        <a:rPr lang="en-US" sz="1800" dirty="0"/>
                         <a:t>Accuracy (%)</a:t>
                       </a:r>
-                      <a:endParaRPr lang="en-US" sz="1800" dirty="0"/>
                     </a:p>
                   </a:txBody>
                   <a:tcPr/>
@@ -11403,10 +11312,9 @@
                     <a:p>
                       <a:pPr algn="ctr"/>
                       <a:r>
-                        <a:rPr lang="en-US" sz="1600" dirty="0" smtClean="0"/>
+                        <a:rPr lang="en-US" sz="1600" dirty="0"/>
                         <a:t>Normal</a:t>
                       </a:r>
-                      <a:endParaRPr lang="en-US" sz="1600" dirty="0"/>
                     </a:p>
                   </a:txBody>
                   <a:tcPr/>
@@ -11418,10 +11326,9 @@
                     <a:p>
                       <a:pPr algn="ctr"/>
                       <a:r>
-                        <a:rPr lang="en-US" sz="1600" dirty="0" smtClean="0"/>
+                        <a:rPr lang="en-US" sz="1600" dirty="0"/>
                         <a:t>ClN1</a:t>
                       </a:r>
-                      <a:endParaRPr lang="en-US" sz="1600" dirty="0"/>
                     </a:p>
                   </a:txBody>
                   <a:tcPr/>
@@ -11433,10 +11340,9 @@
                     <a:p>
                       <a:pPr algn="ctr"/>
                       <a:r>
-                        <a:rPr lang="en-US" sz="1600" dirty="0" smtClean="0"/>
+                        <a:rPr lang="en-US" sz="1600" dirty="0"/>
                         <a:t>CIN2</a:t>
                       </a:r>
-                      <a:endParaRPr lang="en-US" sz="1600" dirty="0"/>
                     </a:p>
                   </a:txBody>
                   <a:tcPr/>
@@ -11448,10 +11354,9 @@
                     <a:p>
                       <a:pPr algn="ctr"/>
                       <a:r>
-                        <a:rPr lang="en-US" sz="1600" dirty="0" smtClean="0"/>
+                        <a:rPr lang="en-US" sz="1600" dirty="0"/>
                         <a:t>CIN3</a:t>
                       </a:r>
-                      <a:endParaRPr lang="en-US" sz="1600" dirty="0"/>
                     </a:p>
                   </a:txBody>
                   <a:tcPr/>
@@ -11463,10 +11368,9 @@
                     <a:p>
                       <a:pPr algn="ctr"/>
                       <a:r>
-                        <a:rPr lang="en-US" sz="1600" dirty="0" smtClean="0"/>
+                        <a:rPr lang="en-US" sz="1600" dirty="0"/>
                         <a:t>Worst</a:t>
                       </a:r>
-                      <a:endParaRPr lang="en-US" sz="1600" dirty="0"/>
                     </a:p>
                   </a:txBody>
                   <a:tcPr/>
@@ -11478,10 +11382,9 @@
                     <a:p>
                       <a:pPr algn="ctr"/>
                       <a:r>
-                        <a:rPr lang="en-US" sz="1600" b="1" dirty="0" smtClean="0"/>
+                        <a:rPr lang="en-US" sz="1600" b="1" dirty="0"/>
                         <a:t>Overall</a:t>
                       </a:r>
-                      <a:endParaRPr lang="en-US" sz="1600" b="1" dirty="0"/>
                     </a:p>
                   </a:txBody>
                   <a:tcPr/>
@@ -11499,10 +11402,9 @@
                     <a:lstStyle/>
                     <a:p>
                       <a:r>
-                        <a:rPr lang="en-US" sz="1400" dirty="0" smtClean="0"/>
+                        <a:rPr lang="en-US" sz="1400" dirty="0"/>
                         <a:t>KNN</a:t>
                       </a:r>
-                      <a:endParaRPr lang="en-US" sz="1400" dirty="0"/>
                     </a:p>
                   </a:txBody>
                   <a:tcPr/>
@@ -11513,10 +11415,9 @@
                     <a:lstStyle/>
                     <a:p>
                       <a:r>
-                        <a:rPr lang="en-US" sz="1400" dirty="0" smtClean="0"/>
+                        <a:rPr lang="en-US" sz="1400" dirty="0"/>
                         <a:t>SMOTE</a:t>
                       </a:r>
-                      <a:endParaRPr lang="en-US" sz="1400" dirty="0"/>
                     </a:p>
                   </a:txBody>
                   <a:tcPr/>
@@ -11527,10 +11428,9 @@
                     <a:lstStyle/>
                     <a:p>
                       <a:r>
-                        <a:rPr lang="en-US" sz="1400" dirty="0" smtClean="0"/>
+                        <a:rPr lang="en-US" sz="1400" dirty="0"/>
                         <a:t>97</a:t>
                       </a:r>
-                      <a:endParaRPr lang="en-US" sz="1400" dirty="0"/>
                     </a:p>
                   </a:txBody>
                   <a:tcPr/>
@@ -11541,10 +11441,9 @@
                     <a:lstStyle/>
                     <a:p>
                       <a:r>
-                        <a:rPr lang="en-US" sz="1400" dirty="0" smtClean="0"/>
+                        <a:rPr lang="en-US" sz="1400" dirty="0"/>
                         <a:t>79</a:t>
                       </a:r>
-                      <a:endParaRPr lang="en-US" sz="1400" dirty="0"/>
                     </a:p>
                   </a:txBody>
                   <a:tcPr/>
@@ -11555,10 +11454,9 @@
                     <a:lstStyle/>
                     <a:p>
                       <a:r>
-                        <a:rPr lang="en-US" sz="1400" dirty="0" smtClean="0"/>
+                        <a:rPr lang="en-US" sz="1400" dirty="0"/>
                         <a:t>73</a:t>
                       </a:r>
-                      <a:endParaRPr lang="en-US" sz="1400" dirty="0"/>
                     </a:p>
                   </a:txBody>
                   <a:tcPr/>
@@ -11569,10 +11467,9 @@
                     <a:lstStyle/>
                     <a:p>
                       <a:r>
-                        <a:rPr lang="en-US" sz="1400" dirty="0" smtClean="0"/>
+                        <a:rPr lang="en-US" sz="1400" dirty="0"/>
                         <a:t>96</a:t>
                       </a:r>
-                      <a:endParaRPr lang="en-US" sz="1400" dirty="0"/>
                     </a:p>
                   </a:txBody>
                   <a:tcPr/>
@@ -11583,10 +11480,9 @@
                     <a:lstStyle/>
                     <a:p>
                       <a:r>
-                        <a:rPr lang="en-US" sz="1400" dirty="0" smtClean="0"/>
+                        <a:rPr lang="en-US" sz="1400" dirty="0"/>
                         <a:t>84</a:t>
                       </a:r>
-                      <a:endParaRPr lang="en-US" sz="1400" dirty="0"/>
                     </a:p>
                   </a:txBody>
                   <a:tcPr/>
@@ -11597,10 +11493,9 @@
                     <a:lstStyle/>
                     <a:p>
                       <a:r>
-                        <a:rPr lang="en-US" sz="1400" b="1" dirty="0" smtClean="0"/>
+                        <a:rPr lang="en-US" sz="1400" b="1" dirty="0"/>
                         <a:t>85.4</a:t>
                       </a:r>
-                      <a:endParaRPr lang="en-US" sz="1400" b="1" dirty="0"/>
                     </a:p>
                   </a:txBody>
                   <a:tcPr/>
@@ -11628,10 +11523,9 @@
                     <a:lstStyle/>
                     <a:p>
                       <a:r>
-                        <a:rPr lang="en-US" sz="1400" dirty="0" smtClean="0"/>
+                        <a:rPr lang="en-US" sz="1400" dirty="0"/>
                         <a:t>ADASYN</a:t>
                       </a:r>
-                      <a:endParaRPr lang="en-US" sz="1400" dirty="0"/>
                     </a:p>
                   </a:txBody>
                   <a:tcPr/>
@@ -11642,10 +11536,9 @@
                     <a:lstStyle/>
                     <a:p>
                       <a:r>
-                        <a:rPr lang="en-US" sz="1400" dirty="0" smtClean="0"/>
+                        <a:rPr lang="en-US" sz="1400" dirty="0"/>
                         <a:t>00</a:t>
                       </a:r>
-                      <a:endParaRPr lang="en-US" sz="1400" dirty="0"/>
                     </a:p>
                   </a:txBody>
                   <a:tcPr/>
@@ -11656,10 +11549,9 @@
                     <a:lstStyle/>
                     <a:p>
                       <a:r>
-                        <a:rPr lang="en-US" sz="1400" dirty="0" smtClean="0"/>
+                        <a:rPr lang="en-US" sz="1400" dirty="0"/>
                         <a:t>00</a:t>
                       </a:r>
-                      <a:endParaRPr lang="en-US" sz="1400" dirty="0"/>
                     </a:p>
                   </a:txBody>
                   <a:tcPr/>
@@ -11670,10 +11562,9 @@
                     <a:lstStyle/>
                     <a:p>
                       <a:r>
-                        <a:rPr lang="en-US" sz="1400" dirty="0" smtClean="0"/>
+                        <a:rPr lang="en-US" sz="1400" dirty="0"/>
                         <a:t>80</a:t>
                       </a:r>
-                      <a:endParaRPr lang="en-US" sz="1400" dirty="0"/>
                     </a:p>
                   </a:txBody>
                   <a:tcPr/>
@@ -11684,10 +11575,9 @@
                     <a:lstStyle/>
                     <a:p>
                       <a:r>
-                        <a:rPr lang="en-US" sz="1400" dirty="0" smtClean="0"/>
+                        <a:rPr lang="en-US" sz="1400" dirty="0"/>
                         <a:t>67</a:t>
                       </a:r>
-                      <a:endParaRPr lang="en-US" sz="1400" dirty="0"/>
                     </a:p>
                   </a:txBody>
                   <a:tcPr/>
@@ -11698,10 +11588,9 @@
                     <a:lstStyle/>
                     <a:p>
                       <a:r>
-                        <a:rPr lang="en-US" sz="1400" dirty="0" smtClean="0"/>
+                        <a:rPr lang="en-US" sz="1400" dirty="0"/>
                         <a:t>94</a:t>
                       </a:r>
-                      <a:endParaRPr lang="en-US" sz="1400" dirty="0"/>
                     </a:p>
                   </a:txBody>
                   <a:tcPr/>
@@ -11712,10 +11601,9 @@
                     <a:lstStyle/>
                     <a:p>
                       <a:r>
-                        <a:rPr lang="en-US" sz="1400" b="1" dirty="0" smtClean="0"/>
+                        <a:rPr lang="en-US" sz="1400" b="1" dirty="0"/>
                         <a:t>88.2</a:t>
                       </a:r>
-                      <a:endParaRPr lang="en-US" sz="1400" b="1" dirty="0"/>
                     </a:p>
                   </a:txBody>
                   <a:tcPr/>
@@ -11733,16 +11621,15 @@
                     <a:lstStyle/>
                     <a:p>
                       <a:r>
-                        <a:rPr lang="en-US" sz="1400" dirty="0" smtClean="0"/>
+                        <a:rPr lang="en-US" sz="1400" dirty="0"/>
                         <a:t>DECISION</a:t>
                       </a:r>
                     </a:p>
                     <a:p>
                       <a:r>
-                        <a:rPr lang="en-US" sz="1400" dirty="0" smtClean="0"/>
+                        <a:rPr lang="en-US" sz="1400" dirty="0"/>
                         <a:t>TREE</a:t>
                       </a:r>
-                      <a:endParaRPr lang="en-US" sz="1400" dirty="0"/>
                     </a:p>
                   </a:txBody>
                   <a:tcPr/>
@@ -11753,10 +11640,9 @@
                     <a:lstStyle/>
                     <a:p>
                       <a:r>
-                        <a:rPr lang="en-US" sz="1400" dirty="0" smtClean="0"/>
+                        <a:rPr lang="en-US" sz="1400" dirty="0"/>
                         <a:t>SMOTE</a:t>
                       </a:r>
-                      <a:endParaRPr lang="en-US" sz="1400" dirty="0"/>
                     </a:p>
                   </a:txBody>
                   <a:tcPr/>
@@ -11767,10 +11653,9 @@
                     <a:lstStyle/>
                     <a:p>
                       <a:r>
-                        <a:rPr lang="en-US" sz="1400" dirty="0" smtClean="0"/>
+                        <a:rPr lang="en-US" sz="1400" dirty="0"/>
                         <a:t>100</a:t>
                       </a:r>
-                      <a:endParaRPr lang="en-US" sz="1400" dirty="0"/>
                     </a:p>
                   </a:txBody>
                   <a:tcPr/>
@@ -11781,10 +11666,9 @@
                     <a:lstStyle/>
                     <a:p>
                       <a:r>
-                        <a:rPr lang="en-US" sz="1400" dirty="0" smtClean="0"/>
+                        <a:rPr lang="en-US" sz="1400" dirty="0"/>
                         <a:t>96</a:t>
                       </a:r>
-                      <a:endParaRPr lang="en-US" sz="1400" dirty="0"/>
                     </a:p>
                   </a:txBody>
                   <a:tcPr/>
@@ -11795,10 +11679,9 @@
                     <a:lstStyle/>
                     <a:p>
                       <a:r>
-                        <a:rPr lang="en-US" sz="1400" dirty="0" smtClean="0"/>
+                        <a:rPr lang="en-US" sz="1400" dirty="0"/>
                         <a:t>94</a:t>
                       </a:r>
-                      <a:endParaRPr lang="en-US" sz="1400" dirty="0"/>
                     </a:p>
                   </a:txBody>
                   <a:tcPr/>
@@ -11809,10 +11692,9 @@
                     <a:lstStyle/>
                     <a:p>
                       <a:r>
-                        <a:rPr lang="en-US" sz="1400" dirty="0" smtClean="0"/>
+                        <a:rPr lang="en-US" sz="1400" dirty="0"/>
                         <a:t>100</a:t>
                       </a:r>
-                      <a:endParaRPr lang="en-US" sz="1400" dirty="0"/>
                     </a:p>
                   </a:txBody>
                   <a:tcPr/>
@@ -11823,10 +11705,9 @@
                     <a:lstStyle/>
                     <a:p>
                       <a:r>
-                        <a:rPr lang="en-US" sz="1400" dirty="0" smtClean="0"/>
+                        <a:rPr lang="en-US" sz="1400" dirty="0"/>
                         <a:t>91</a:t>
                       </a:r>
-                      <a:endParaRPr lang="en-US" sz="1400" dirty="0"/>
                     </a:p>
                   </a:txBody>
                   <a:tcPr/>
@@ -11837,10 +11718,9 @@
                     <a:lstStyle/>
                     <a:p>
                       <a:r>
-                        <a:rPr lang="en-US" sz="1400" b="1" dirty="0" smtClean="0"/>
+                        <a:rPr lang="en-US" sz="1400" b="1" dirty="0"/>
                         <a:t>95.8</a:t>
                       </a:r>
-                      <a:endParaRPr lang="en-US" sz="1400" b="1" dirty="0"/>
                     </a:p>
                   </a:txBody>
                   <a:tcPr/>
@@ -11868,10 +11748,9 @@
                     <a:lstStyle/>
                     <a:p>
                       <a:r>
-                        <a:rPr lang="en-US" sz="1400" dirty="0" smtClean="0"/>
+                        <a:rPr lang="en-US" sz="1400" dirty="0"/>
                         <a:t>ADASYN</a:t>
                       </a:r>
-                      <a:endParaRPr lang="en-US" sz="1400" dirty="0"/>
                     </a:p>
                   </a:txBody>
                   <a:tcPr/>
@@ -11882,10 +11761,9 @@
                     <a:lstStyle/>
                     <a:p>
                       <a:r>
-                        <a:rPr lang="en-US" sz="1400" dirty="0" smtClean="0"/>
+                        <a:rPr lang="en-US" sz="1400" dirty="0"/>
                         <a:t>100</a:t>
                       </a:r>
-                      <a:endParaRPr lang="en-US" sz="1400" dirty="0"/>
                     </a:p>
                   </a:txBody>
                   <a:tcPr/>
@@ -11896,10 +11774,9 @@
                     <a:lstStyle/>
                     <a:p>
                       <a:r>
-                        <a:rPr lang="en-US" sz="1400" dirty="0" smtClean="0"/>
+                        <a:rPr lang="en-US" sz="1400" dirty="0"/>
                         <a:t>97</a:t>
                       </a:r>
-                      <a:endParaRPr lang="en-US" sz="1400" dirty="0"/>
                     </a:p>
                   </a:txBody>
                   <a:tcPr/>
@@ -11910,10 +11787,9 @@
                     <a:lstStyle/>
                     <a:p>
                       <a:r>
-                        <a:rPr lang="en-US" sz="1400" dirty="0" smtClean="0"/>
+                        <a:rPr lang="en-US" sz="1400" dirty="0"/>
                         <a:t>90</a:t>
                       </a:r>
-                      <a:endParaRPr lang="en-US" sz="1400" dirty="0"/>
                     </a:p>
                   </a:txBody>
                   <a:tcPr/>
@@ -11924,10 +11800,9 @@
                     <a:lstStyle/>
                     <a:p>
                       <a:r>
-                        <a:rPr lang="en-US" sz="1400" dirty="0" smtClean="0"/>
+                        <a:rPr lang="en-US" sz="1400" dirty="0"/>
                         <a:t>100</a:t>
                       </a:r>
-                      <a:endParaRPr lang="en-US" sz="1400" dirty="0"/>
                     </a:p>
                   </a:txBody>
                   <a:tcPr/>
@@ -11938,10 +11813,9 @@
                     <a:lstStyle/>
                     <a:p>
                       <a:r>
-                        <a:rPr lang="en-US" sz="1400" dirty="0" smtClean="0"/>
+                        <a:rPr lang="en-US" sz="1400" dirty="0"/>
                         <a:t>94</a:t>
                       </a:r>
-                      <a:endParaRPr lang="en-US" sz="1400" dirty="0"/>
                     </a:p>
                   </a:txBody>
                   <a:tcPr/>
@@ -11952,10 +11826,9 @@
                     <a:lstStyle/>
                     <a:p>
                       <a:r>
-                        <a:rPr lang="en-US" sz="1400" b="1" dirty="0" smtClean="0"/>
+                        <a:rPr lang="en-US" sz="1400" b="1" dirty="0"/>
                         <a:t>95.9</a:t>
                       </a:r>
-                      <a:endParaRPr lang="en-US" sz="1400" b="1" dirty="0"/>
                     </a:p>
                   </a:txBody>
                   <a:tcPr/>
@@ -11973,16 +11846,15 @@
                     <a:lstStyle/>
                     <a:p>
                       <a:r>
-                        <a:rPr lang="en-US" sz="1400" dirty="0" smtClean="0"/>
+                        <a:rPr lang="en-US" sz="1400" dirty="0"/>
                         <a:t>RANDOM </a:t>
                       </a:r>
                     </a:p>
                     <a:p>
                       <a:r>
-                        <a:rPr lang="en-US" sz="1400" dirty="0" smtClean="0"/>
+                        <a:rPr lang="en-US" sz="1400" dirty="0"/>
                         <a:t>FOREST</a:t>
                       </a:r>
-                      <a:endParaRPr lang="en-US" sz="1400" dirty="0"/>
                     </a:p>
                   </a:txBody>
                   <a:tcPr/>
@@ -11993,10 +11865,9 @@
                     <a:lstStyle/>
                     <a:p>
                       <a:r>
-                        <a:rPr lang="en-US" sz="1400" dirty="0" smtClean="0"/>
+                        <a:rPr lang="en-US" sz="1400" dirty="0"/>
                         <a:t>SMOTE</a:t>
                       </a:r>
-                      <a:endParaRPr lang="en-US" sz="1400" dirty="0"/>
                     </a:p>
                   </a:txBody>
                   <a:tcPr/>
@@ -12007,10 +11878,9 @@
                     <a:lstStyle/>
                     <a:p>
                       <a:r>
-                        <a:rPr lang="en-US" sz="1400" dirty="0" smtClean="0"/>
+                        <a:rPr lang="en-US" sz="1400" dirty="0"/>
                         <a:t>100</a:t>
                       </a:r>
-                      <a:endParaRPr lang="en-US" sz="1400" dirty="0"/>
                     </a:p>
                   </a:txBody>
                   <a:tcPr/>
@@ -12021,10 +11891,9 @@
                     <a:lstStyle/>
                     <a:p>
                       <a:r>
-                        <a:rPr lang="en-US" sz="1400" dirty="0" smtClean="0"/>
+                        <a:rPr lang="en-US" sz="1400" dirty="0"/>
                         <a:t>100</a:t>
                       </a:r>
-                      <a:endParaRPr lang="en-US" sz="1400" dirty="0"/>
                     </a:p>
                   </a:txBody>
                   <a:tcPr/>
@@ -12035,10 +11904,9 @@
                     <a:lstStyle/>
                     <a:p>
                       <a:r>
-                        <a:rPr lang="en-US" sz="1400" dirty="0" smtClean="0"/>
+                        <a:rPr lang="en-US" sz="1400" dirty="0"/>
                         <a:t>91</a:t>
                       </a:r>
-                      <a:endParaRPr lang="en-US" sz="1400" dirty="0"/>
                     </a:p>
                   </a:txBody>
                   <a:tcPr/>
@@ -12049,10 +11917,9 @@
                     <a:lstStyle/>
                     <a:p>
                       <a:r>
-                        <a:rPr lang="en-US" sz="1400" dirty="0" smtClean="0"/>
+                        <a:rPr lang="en-US" sz="1400" dirty="0"/>
                         <a:t>100</a:t>
                       </a:r>
-                      <a:endParaRPr lang="en-US" sz="1400" dirty="0"/>
                     </a:p>
                   </a:txBody>
                   <a:tcPr/>
@@ -12063,10 +11930,9 @@
                     <a:lstStyle/>
                     <a:p>
                       <a:r>
-                        <a:rPr lang="en-US" sz="1400" dirty="0" smtClean="0"/>
+                        <a:rPr lang="en-US" sz="1400" dirty="0"/>
                         <a:t>97</a:t>
                       </a:r>
-                      <a:endParaRPr lang="en-US" sz="1400" dirty="0"/>
                     </a:p>
                   </a:txBody>
                   <a:tcPr/>
@@ -12077,10 +11943,9 @@
                     <a:lstStyle/>
                     <a:p>
                       <a:r>
-                        <a:rPr lang="en-US" sz="1400" b="1" dirty="0" smtClean="0"/>
+                        <a:rPr lang="en-US" sz="1400" b="1" dirty="0"/>
                         <a:t>97.2</a:t>
                       </a:r>
-                      <a:endParaRPr lang="en-US" sz="1400" b="1" dirty="0"/>
                     </a:p>
                   </a:txBody>
                   <a:tcPr/>
@@ -12108,10 +11973,9 @@
                     <a:lstStyle/>
                     <a:p>
                       <a:r>
-                        <a:rPr lang="en-US" sz="1400" dirty="0" smtClean="0"/>
+                        <a:rPr lang="en-US" sz="1400" dirty="0"/>
                         <a:t>ADASYN</a:t>
                       </a:r>
-                      <a:endParaRPr lang="en-US" sz="1400" dirty="0"/>
                     </a:p>
                   </a:txBody>
                   <a:tcPr/>
@@ -12122,10 +11986,9 @@
                     <a:lstStyle/>
                     <a:p>
                       <a:r>
-                        <a:rPr lang="en-US" sz="1400" dirty="0" smtClean="0"/>
+                        <a:rPr lang="en-US" sz="1400" dirty="0"/>
                         <a:t>100</a:t>
                       </a:r>
-                      <a:endParaRPr lang="en-US" sz="1400" dirty="0"/>
                     </a:p>
                   </a:txBody>
                   <a:tcPr/>
@@ -12136,10 +11999,9 @@
                     <a:lstStyle/>
                     <a:p>
                       <a:r>
-                        <a:rPr lang="en-US" sz="1400" dirty="0" smtClean="0"/>
+                        <a:rPr lang="en-US" sz="1400" dirty="0"/>
                         <a:t>100</a:t>
                       </a:r>
-                      <a:endParaRPr lang="en-US" sz="1400" dirty="0"/>
                     </a:p>
                   </a:txBody>
                   <a:tcPr/>
@@ -12150,10 +12012,9 @@
                     <a:lstStyle/>
                     <a:p>
                       <a:r>
-                        <a:rPr lang="en-US" sz="1400" dirty="0" smtClean="0"/>
+                        <a:rPr lang="en-US" sz="1400" dirty="0"/>
                         <a:t>100</a:t>
                       </a:r>
-                      <a:endParaRPr lang="en-US" sz="1400" dirty="0"/>
                     </a:p>
                   </a:txBody>
                   <a:tcPr/>
@@ -12164,10 +12025,9 @@
                     <a:lstStyle/>
                     <a:p>
                       <a:r>
-                        <a:rPr lang="en-US" sz="1400" dirty="0" smtClean="0"/>
+                        <a:rPr lang="en-US" sz="1400" dirty="0"/>
                         <a:t>100</a:t>
                       </a:r>
-                      <a:endParaRPr lang="en-US" sz="1400" dirty="0"/>
                     </a:p>
                   </a:txBody>
                   <a:tcPr/>
@@ -12178,10 +12038,9 @@
                     <a:lstStyle/>
                     <a:p>
                       <a:r>
-                        <a:rPr lang="en-US" sz="1400" dirty="0" smtClean="0"/>
+                        <a:rPr lang="en-US" sz="1400" dirty="0"/>
                         <a:t>97</a:t>
                       </a:r>
-                      <a:endParaRPr lang="en-US" sz="1400" dirty="0"/>
                     </a:p>
                   </a:txBody>
                   <a:tcPr/>
@@ -12192,10 +12051,9 @@
                     <a:lstStyle/>
                     <a:p>
                       <a:r>
-                        <a:rPr lang="en-US" sz="1400" b="1" dirty="0" smtClean="0"/>
+                        <a:rPr lang="en-US" sz="1400" b="1" dirty="0"/>
                         <a:t>99.3</a:t>
                       </a:r>
-                      <a:endParaRPr lang="en-US" sz="1400" b="1" dirty="0"/>
                     </a:p>
                   </a:txBody>
                   <a:tcPr/>
@@ -12213,16 +12071,15 @@
                     <a:lstStyle/>
                     <a:p>
                       <a:r>
-                        <a:rPr lang="en-US" sz="1400" dirty="0" smtClean="0"/>
+                        <a:rPr lang="en-US" sz="1400" dirty="0"/>
                         <a:t>Gradient</a:t>
                       </a:r>
                     </a:p>
                     <a:p>
                       <a:r>
-                        <a:rPr lang="en-US" sz="1400" dirty="0" smtClean="0"/>
+                        <a:rPr lang="en-US" sz="1400" dirty="0"/>
                         <a:t>BOOSTING</a:t>
                       </a:r>
-                      <a:endParaRPr lang="en-US" sz="1400" dirty="0"/>
                     </a:p>
                   </a:txBody>
                   <a:tcPr/>
@@ -12233,10 +12090,9 @@
                     <a:lstStyle/>
                     <a:p>
                       <a:r>
-                        <a:rPr lang="en-US" sz="1400" dirty="0" smtClean="0"/>
+                        <a:rPr lang="en-US" sz="1400" dirty="0"/>
                         <a:t>SMOTE</a:t>
                       </a:r>
-                      <a:endParaRPr lang="en-US" sz="1400" dirty="0"/>
                     </a:p>
                   </a:txBody>
                   <a:tcPr/>
@@ -12247,10 +12103,9 @@
                     <a:lstStyle/>
                     <a:p>
                       <a:r>
-                        <a:rPr lang="en-US" sz="1400" dirty="0" smtClean="0"/>
+                        <a:rPr lang="en-US" sz="1400" dirty="0"/>
                         <a:t>100</a:t>
                       </a:r>
-                      <a:endParaRPr lang="en-US" sz="1400" dirty="0"/>
                     </a:p>
                   </a:txBody>
                   <a:tcPr/>
@@ -12261,10 +12116,9 @@
                     <a:lstStyle/>
                     <a:p>
                       <a:r>
-                        <a:rPr lang="en-US" sz="1400" dirty="0" smtClean="0"/>
+                        <a:rPr lang="en-US" sz="1400" dirty="0"/>
                         <a:t>96</a:t>
                       </a:r>
-                      <a:endParaRPr lang="en-US" sz="1400" dirty="0"/>
                     </a:p>
                   </a:txBody>
                   <a:tcPr/>
@@ -12275,10 +12129,9 @@
                     <a:lstStyle/>
                     <a:p>
                       <a:r>
-                        <a:rPr lang="en-US" sz="1400" dirty="0" smtClean="0"/>
+                        <a:rPr lang="en-US" sz="1400" dirty="0"/>
                         <a:t>94</a:t>
                       </a:r>
-                      <a:endParaRPr lang="en-US" sz="1400" dirty="0"/>
                     </a:p>
                   </a:txBody>
                   <a:tcPr/>
@@ -12289,10 +12142,9 @@
                     <a:lstStyle/>
                     <a:p>
                       <a:r>
-                        <a:rPr lang="en-US" sz="1400" dirty="0" smtClean="0"/>
+                        <a:rPr lang="en-US" sz="1400" dirty="0"/>
                         <a:t>100</a:t>
                       </a:r>
-                      <a:endParaRPr lang="en-US" sz="1400" dirty="0"/>
                     </a:p>
                   </a:txBody>
                   <a:tcPr/>
@@ -12303,10 +12155,9 @@
                     <a:lstStyle/>
                     <a:p>
                       <a:r>
-                        <a:rPr lang="en-US" sz="1400" dirty="0" smtClean="0"/>
+                        <a:rPr lang="en-US" sz="1400" dirty="0"/>
                         <a:t>88</a:t>
                       </a:r>
-                      <a:endParaRPr lang="en-US" sz="1400" dirty="0"/>
                     </a:p>
                   </a:txBody>
                   <a:tcPr/>
@@ -12317,10 +12168,9 @@
                     <a:lstStyle/>
                     <a:p>
                       <a:r>
-                        <a:rPr lang="en-US" sz="1400" b="1" dirty="0" smtClean="0"/>
+                        <a:rPr lang="en-US" sz="1400" b="1" dirty="0"/>
                         <a:t>95.1</a:t>
                       </a:r>
-                      <a:endParaRPr lang="en-US" sz="1400" b="1" dirty="0"/>
                     </a:p>
                   </a:txBody>
                   <a:tcPr/>
@@ -12348,10 +12198,9 @@
                     <a:lstStyle/>
                     <a:p>
                       <a:r>
-                        <a:rPr lang="en-US" sz="1400" dirty="0" smtClean="0"/>
+                        <a:rPr lang="en-US" sz="1400" dirty="0"/>
                         <a:t>ADASYN</a:t>
                       </a:r>
-                      <a:endParaRPr lang="en-US" sz="1400" dirty="0"/>
                     </a:p>
                   </a:txBody>
                   <a:tcPr/>
@@ -12362,10 +12211,9 @@
                     <a:lstStyle/>
                     <a:p>
                       <a:r>
-                        <a:rPr lang="en-US" sz="1400" dirty="0" smtClean="0"/>
+                        <a:rPr lang="en-US" sz="1400" dirty="0"/>
                         <a:t>100</a:t>
                       </a:r>
-                      <a:endParaRPr lang="en-US" sz="1400" dirty="0"/>
                     </a:p>
                   </a:txBody>
                   <a:tcPr/>
@@ -12376,10 +12224,9 @@
                     <a:lstStyle/>
                     <a:p>
                       <a:r>
-                        <a:rPr lang="en-US" sz="1400" dirty="0" smtClean="0"/>
+                        <a:rPr lang="en-US" sz="1400" dirty="0"/>
                         <a:t>100</a:t>
                       </a:r>
-                      <a:endParaRPr lang="en-US" sz="1400" dirty="0"/>
                     </a:p>
                   </a:txBody>
                   <a:tcPr/>
@@ -12390,10 +12237,9 @@
                     <a:lstStyle/>
                     <a:p>
                       <a:r>
-                        <a:rPr lang="en-US" sz="1400" dirty="0" smtClean="0"/>
+                        <a:rPr lang="en-US" sz="1400" dirty="0"/>
                         <a:t>97</a:t>
                       </a:r>
-                      <a:endParaRPr lang="en-US" sz="1400" dirty="0"/>
                     </a:p>
                   </a:txBody>
                   <a:tcPr/>
@@ -12404,10 +12250,9 @@
                     <a:lstStyle/>
                     <a:p>
                       <a:r>
-                        <a:rPr lang="en-US" sz="1400" dirty="0" smtClean="0"/>
+                        <a:rPr lang="en-US" sz="1400" dirty="0"/>
                         <a:t>100</a:t>
                       </a:r>
-                      <a:endParaRPr lang="en-US" sz="1400" dirty="0"/>
                     </a:p>
                   </a:txBody>
                   <a:tcPr/>
@@ -12418,10 +12263,9 @@
                     <a:lstStyle/>
                     <a:p>
                       <a:r>
-                        <a:rPr lang="en-US" sz="1400" dirty="0" smtClean="0"/>
+                        <a:rPr lang="en-US" sz="1400" dirty="0"/>
                         <a:t>94</a:t>
                       </a:r>
-                      <a:endParaRPr lang="en-US" sz="1400" dirty="0"/>
                     </a:p>
                   </a:txBody>
                   <a:tcPr/>
@@ -12432,10 +12276,9 @@
                     <a:lstStyle/>
                     <a:p>
                       <a:r>
-                        <a:rPr lang="en-US" sz="1400" b="1" dirty="0" smtClean="0"/>
+                        <a:rPr lang="en-US" sz="1400" b="1" dirty="0"/>
                         <a:t>97.9</a:t>
                       </a:r>
-                      <a:endParaRPr lang="en-US" sz="1400" b="1" dirty="0"/>
                     </a:p>
                   </a:txBody>
                   <a:tcPr/>
@@ -12453,10 +12296,9 @@
                     <a:lstStyle/>
                     <a:p>
                       <a:r>
-                        <a:rPr lang="en-US" sz="1400" dirty="0" smtClean="0"/>
+                        <a:rPr lang="en-US" sz="1400" dirty="0"/>
                         <a:t>XGBOOST</a:t>
                       </a:r>
-                      <a:endParaRPr lang="en-US" sz="1400" dirty="0"/>
                     </a:p>
                   </a:txBody>
                   <a:tcPr/>
@@ -12467,10 +12309,9 @@
                     <a:lstStyle/>
                     <a:p>
                       <a:r>
-                        <a:rPr lang="en-US" sz="1400" dirty="0" smtClean="0"/>
+                        <a:rPr lang="en-US" sz="1400" dirty="0"/>
                         <a:t>SMOTE</a:t>
                       </a:r>
-                      <a:endParaRPr lang="en-US" sz="1400" dirty="0"/>
                     </a:p>
                   </a:txBody>
                   <a:tcPr/>
@@ -12481,10 +12322,9 @@
                     <a:lstStyle/>
                     <a:p>
                       <a:r>
-                        <a:rPr lang="en-US" sz="1400" dirty="0" smtClean="0"/>
+                        <a:rPr lang="en-US" sz="1400" dirty="0"/>
                         <a:t>100</a:t>
                       </a:r>
-                      <a:endParaRPr lang="en-US" sz="1400" dirty="0"/>
                     </a:p>
                   </a:txBody>
                   <a:tcPr/>
@@ -12495,10 +12335,9 @@
                     <a:lstStyle/>
                     <a:p>
                       <a:r>
-                        <a:rPr lang="en-US" sz="1400" dirty="0" smtClean="0"/>
+                        <a:rPr lang="en-US" sz="1400" dirty="0"/>
                         <a:t>100</a:t>
                       </a:r>
-                      <a:endParaRPr lang="en-US" sz="1400" dirty="0"/>
                     </a:p>
                   </a:txBody>
                   <a:tcPr/>
@@ -12509,10 +12348,9 @@
                     <a:lstStyle/>
                     <a:p>
                       <a:r>
-                        <a:rPr lang="en-US" sz="1400" dirty="0" smtClean="0"/>
+                        <a:rPr lang="en-US" sz="1400" dirty="0"/>
                         <a:t>100</a:t>
                       </a:r>
-                      <a:endParaRPr lang="en-US" sz="1400" dirty="0"/>
                     </a:p>
                   </a:txBody>
                   <a:tcPr/>
@@ -12523,10 +12361,9 @@
                     <a:lstStyle/>
                     <a:p>
                       <a:r>
-                        <a:rPr lang="en-US" sz="1400" dirty="0" smtClean="0"/>
+                        <a:rPr lang="en-US" sz="1400" dirty="0"/>
                         <a:t>100</a:t>
                       </a:r>
-                      <a:endParaRPr lang="en-US" sz="1400" dirty="0"/>
                     </a:p>
                   </a:txBody>
                   <a:tcPr/>
@@ -12537,10 +12374,9 @@
                     <a:lstStyle/>
                     <a:p>
                       <a:r>
-                        <a:rPr lang="en-US" sz="1400" dirty="0" smtClean="0"/>
+                        <a:rPr lang="en-US" sz="1400" dirty="0"/>
                         <a:t>97</a:t>
                       </a:r>
-                      <a:endParaRPr lang="en-US" sz="1400" dirty="0"/>
                     </a:p>
                   </a:txBody>
                   <a:tcPr/>
@@ -12551,10 +12387,9 @@
                     <a:lstStyle/>
                     <a:p>
                       <a:r>
-                        <a:rPr lang="en-US" sz="1400" b="1" dirty="0" smtClean="0"/>
+                        <a:rPr lang="en-US" sz="1400" b="1" dirty="0"/>
                         <a:t>99.3</a:t>
                       </a:r>
-                      <a:endParaRPr lang="en-US" sz="1400" b="1" dirty="0"/>
                     </a:p>
                   </a:txBody>
                   <a:tcPr/>
@@ -12582,10 +12417,9 @@
                     <a:lstStyle/>
                     <a:p>
                       <a:r>
-                        <a:rPr lang="en-US" sz="1400" dirty="0" smtClean="0"/>
+                        <a:rPr lang="en-US" sz="1400" dirty="0"/>
                         <a:t>ADASYN</a:t>
                       </a:r>
-                      <a:endParaRPr lang="en-US" sz="1400" dirty="0"/>
                     </a:p>
                   </a:txBody>
                   <a:tcPr/>
@@ -12596,10 +12430,9 @@
                     <a:lstStyle/>
                     <a:p>
                       <a:r>
-                        <a:rPr lang="en-US" sz="1400" dirty="0" smtClean="0"/>
+                        <a:rPr lang="en-US" sz="1400" dirty="0"/>
                         <a:t>100</a:t>
                       </a:r>
-                      <a:endParaRPr lang="en-US" sz="1400" dirty="0"/>
                     </a:p>
                   </a:txBody>
                   <a:tcPr/>
@@ -12610,10 +12443,9 @@
                     <a:lstStyle/>
                     <a:p>
                       <a:r>
-                        <a:rPr lang="en-US" sz="1400" dirty="0" smtClean="0"/>
+                        <a:rPr lang="en-US" sz="1400" dirty="0"/>
                         <a:t>97</a:t>
                       </a:r>
-                      <a:endParaRPr lang="en-US" sz="1400" dirty="0"/>
                     </a:p>
                   </a:txBody>
                   <a:tcPr/>
@@ -12624,10 +12456,9 @@
                     <a:lstStyle/>
                     <a:p>
                       <a:r>
-                        <a:rPr lang="en-US" sz="1400" dirty="0" smtClean="0"/>
+                        <a:rPr lang="en-US" sz="1400" dirty="0"/>
                         <a:t>97</a:t>
                       </a:r>
-                      <a:endParaRPr lang="en-US" sz="1400" dirty="0"/>
                     </a:p>
                   </a:txBody>
                   <a:tcPr/>
@@ -12638,10 +12469,9 @@
                     <a:lstStyle/>
                     <a:p>
                       <a:r>
-                        <a:rPr lang="en-US" sz="1400" dirty="0" smtClean="0"/>
+                        <a:rPr lang="en-US" sz="1400" dirty="0"/>
                         <a:t>100</a:t>
                       </a:r>
-                      <a:endParaRPr lang="en-US" sz="1400" dirty="0"/>
                     </a:p>
                   </a:txBody>
                   <a:tcPr/>
@@ -12652,10 +12482,9 @@
                     <a:lstStyle/>
                     <a:p>
                       <a:r>
-                        <a:rPr lang="en-US" sz="1400" dirty="0" smtClean="0"/>
+                        <a:rPr lang="en-US" sz="1400" dirty="0"/>
                         <a:t>94</a:t>
                       </a:r>
-                      <a:endParaRPr lang="en-US" sz="1400" dirty="0"/>
                     </a:p>
                   </a:txBody>
                   <a:tcPr/>
@@ -12666,10 +12495,9 @@
                     <a:lstStyle/>
                     <a:p>
                       <a:r>
-                        <a:rPr lang="en-US" sz="1400" b="1" dirty="0" smtClean="0"/>
+                        <a:rPr lang="en-US" sz="1400" b="1" dirty="0"/>
                         <a:t>97.2</a:t>
                       </a:r>
-                      <a:endParaRPr lang="en-US" sz="1400" b="1" dirty="0"/>
                     </a:p>
                   </a:txBody>
                   <a:tcPr/>
@@ -12708,7 +12536,7 @@
               <a:defRPr/>
             </a:pPr>
             <a:r>
-              <a:rPr lang="en-US" dirty="0" smtClean="0"/>
+              <a:rPr lang="en-US" dirty="0"/>
               <a:t>CLASSIFICATION Comparison</a:t>
             </a:r>
             <a:endParaRPr lang="en-US" altLang="ko-KR" dirty="0"/>
@@ -12724,17 +12552,10 @@
     <mc:Choice Requires="p14">
       <p:transition/>
     </mc:Choice>
-    <mc:Fallback xmlns:dsp="http://schemas.microsoft.com/office/drawing/2008/diagram" xmlns:dgm="http://schemas.openxmlformats.org/drawingml/2006/diagram" xmlns:c="http://schemas.openxmlformats.org/drawingml/2006/chart" xmlns="">
+    <mc:Fallback xmlns="" xmlns:c="http://schemas.openxmlformats.org/drawingml/2006/chart" xmlns:dgm="http://schemas.openxmlformats.org/drawingml/2006/diagram" xmlns:dsp="http://schemas.microsoft.com/office/drawing/2008/diagram">
       <p:transition/>
     </mc:Fallback>
   </mc:AlternateContent>
-  <p:timing>
-    <p:tnLst>
-      <p:par>
-        <p:cTn id="1" dur="indefinite" restart="never" nodeType="tmRoot"/>
-      </p:par>
-    </p:tnLst>
-  </p:timing>
 </p:sld>
 </file>
 
@@ -12808,7 +12629,7 @@
               <a:defRPr/>
             </a:pPr>
             <a:r>
-              <a:rPr lang="en-US" dirty="0" smtClean="0"/>
+              <a:rPr lang="en-US" dirty="0"/>
               <a:t>CLASSIFICATION Comparison</a:t>
             </a:r>
             <a:endParaRPr lang="en-US" altLang="ko-KR" dirty="0"/>
@@ -12851,17 +12672,10 @@
     <mc:Choice Requires="p14">
       <p:transition/>
     </mc:Choice>
-    <mc:Fallback xmlns:dsp="http://schemas.microsoft.com/office/drawing/2008/diagram" xmlns:dgm="http://schemas.openxmlformats.org/drawingml/2006/diagram" xmlns:c="http://schemas.openxmlformats.org/drawingml/2006/chart" xmlns="">
+    <mc:Fallback xmlns="" xmlns:c="http://schemas.openxmlformats.org/drawingml/2006/chart" xmlns:dgm="http://schemas.openxmlformats.org/drawingml/2006/diagram" xmlns:dsp="http://schemas.microsoft.com/office/drawing/2008/diagram">
       <p:transition/>
     </mc:Fallback>
   </mc:AlternateContent>
-  <p:timing>
-    <p:tnLst>
-      <p:par>
-        <p:cTn id="1" dur="indefinite" restart="never" nodeType="tmRoot"/>
-      </p:par>
-    </p:tnLst>
-  </p:timing>
 </p:sld>
 </file>
 
@@ -13008,7 +12822,7 @@
             </a:pPr>
             <a:r>
               <a:rPr lang="en-US" altLang="ko-KR" sz="1800" b="1" dirty="0"/>
-              <a:t>Data(480, 50), Label(5 classification)</a:t>
+              <a:t>Data(720, 50), Label(5 classification)</a:t>
             </a:r>
           </a:p>
           <a:p>
@@ -13017,13 +12831,8 @@
             </a:pPr>
             <a:r>
               <a:rPr lang="en-US" altLang="ko-KR" sz="1800" b="1" dirty="0"/>
-              <a:t>Overall accuracy: </a:t>
-            </a:r>
-            <a:r>
-              <a:rPr lang="en-US" altLang="ko-KR" sz="1800" b="1" dirty="0" smtClean="0"/>
-              <a:t>92.10%</a:t>
-            </a:r>
-            <a:endParaRPr lang="en-US" altLang="ko-KR" sz="1800" b="1" dirty="0"/>
+              <a:t>Overall accuracy: 92.10%</a:t>
+            </a:r>
           </a:p>
           <a:p>
             <a:pPr lvl="0">
@@ -13095,17 +12904,10 @@
     <mc:Choice Requires="p14">
       <p:transition/>
     </mc:Choice>
-    <mc:Fallback xmlns:dsp="http://schemas.microsoft.com/office/drawing/2008/diagram" xmlns:dgm="http://schemas.openxmlformats.org/drawingml/2006/diagram" xmlns:c="http://schemas.openxmlformats.org/drawingml/2006/chart" xmlns="">
+    <mc:Fallback xmlns="" xmlns:c="http://schemas.openxmlformats.org/drawingml/2006/chart" xmlns:dgm="http://schemas.openxmlformats.org/drawingml/2006/diagram" xmlns:dsp="http://schemas.microsoft.com/office/drawing/2008/diagram">
       <p:transition/>
     </mc:Fallback>
   </mc:AlternateContent>
-  <p:timing>
-    <p:tnLst>
-      <p:par>
-        <p:cTn id="1" dur="indefinite" restart="never" nodeType="tmRoot"/>
-      </p:par>
-    </p:tnLst>
-  </p:timing>
 </p:sld>
 </file>
 
